--- a/Intro to Node.pptx
+++ b/Intro to Node.pptx
@@ -268,7 +268,7 @@
           <a:p>
             <a:fld id="{A139ED91-282A-43B0-AA56-44DFD435C29D}" type="datetimeFigureOut">
               <a:rPr lang="en-US" smtClean="0"/>
-              <a:t>10/16/2013</a:t>
+              <a:t>10/18/2013</a:t>
             </a:fld>
             <a:endParaRPr lang="en-US"/>
           </a:p>
@@ -438,7 +438,7 @@
           <a:p>
             <a:fld id="{A139ED91-282A-43B0-AA56-44DFD435C29D}" type="datetimeFigureOut">
               <a:rPr lang="en-US" smtClean="0"/>
-              <a:t>10/16/2013</a:t>
+              <a:t>10/18/2013</a:t>
             </a:fld>
             <a:endParaRPr lang="en-US"/>
           </a:p>
@@ -618,7 +618,7 @@
           <a:p>
             <a:fld id="{A139ED91-282A-43B0-AA56-44DFD435C29D}" type="datetimeFigureOut">
               <a:rPr lang="en-US" smtClean="0"/>
-              <a:t>10/16/2013</a:t>
+              <a:t>10/18/2013</a:t>
             </a:fld>
             <a:endParaRPr lang="en-US"/>
           </a:p>
@@ -788,7 +788,7 @@
           <a:p>
             <a:fld id="{A139ED91-282A-43B0-AA56-44DFD435C29D}" type="datetimeFigureOut">
               <a:rPr lang="en-US" smtClean="0"/>
-              <a:t>10/16/2013</a:t>
+              <a:t>10/18/2013</a:t>
             </a:fld>
             <a:endParaRPr lang="en-US"/>
           </a:p>
@@ -1034,7 +1034,7 @@
           <a:p>
             <a:fld id="{A139ED91-282A-43B0-AA56-44DFD435C29D}" type="datetimeFigureOut">
               <a:rPr lang="en-US" smtClean="0"/>
-              <a:t>10/16/2013</a:t>
+              <a:t>10/18/2013</a:t>
             </a:fld>
             <a:endParaRPr lang="en-US"/>
           </a:p>
@@ -1266,7 +1266,7 @@
           <a:p>
             <a:fld id="{A139ED91-282A-43B0-AA56-44DFD435C29D}" type="datetimeFigureOut">
               <a:rPr lang="en-US" smtClean="0"/>
-              <a:t>10/16/2013</a:t>
+              <a:t>10/18/2013</a:t>
             </a:fld>
             <a:endParaRPr lang="en-US"/>
           </a:p>
@@ -1633,7 +1633,7 @@
           <a:p>
             <a:fld id="{A139ED91-282A-43B0-AA56-44DFD435C29D}" type="datetimeFigureOut">
               <a:rPr lang="en-US" smtClean="0"/>
-              <a:t>10/16/2013</a:t>
+              <a:t>10/18/2013</a:t>
             </a:fld>
             <a:endParaRPr lang="en-US"/>
           </a:p>
@@ -1751,7 +1751,7 @@
           <a:p>
             <a:fld id="{A139ED91-282A-43B0-AA56-44DFD435C29D}" type="datetimeFigureOut">
               <a:rPr lang="en-US" smtClean="0"/>
-              <a:t>10/16/2013</a:t>
+              <a:t>10/18/2013</a:t>
             </a:fld>
             <a:endParaRPr lang="en-US"/>
           </a:p>
@@ -1846,7 +1846,7 @@
           <a:p>
             <a:fld id="{A139ED91-282A-43B0-AA56-44DFD435C29D}" type="datetimeFigureOut">
               <a:rPr lang="en-US" smtClean="0"/>
-              <a:t>10/16/2013</a:t>
+              <a:t>10/18/2013</a:t>
             </a:fld>
             <a:endParaRPr lang="en-US"/>
           </a:p>
@@ -2123,7 +2123,7 @@
           <a:p>
             <a:fld id="{A139ED91-282A-43B0-AA56-44DFD435C29D}" type="datetimeFigureOut">
               <a:rPr lang="en-US" smtClean="0"/>
-              <a:t>10/16/2013</a:t>
+              <a:t>10/18/2013</a:t>
             </a:fld>
             <a:endParaRPr lang="en-US"/>
           </a:p>
@@ -2376,7 +2376,7 @@
           <a:p>
             <a:fld id="{A139ED91-282A-43B0-AA56-44DFD435C29D}" type="datetimeFigureOut">
               <a:rPr lang="en-US" smtClean="0"/>
-              <a:t>10/16/2013</a:t>
+              <a:t>10/18/2013</a:t>
             </a:fld>
             <a:endParaRPr lang="en-US"/>
           </a:p>
@@ -2589,7 +2589,7 @@
           <a:p>
             <a:fld id="{A139ED91-282A-43B0-AA56-44DFD435C29D}" type="datetimeFigureOut">
               <a:rPr lang="en-US" smtClean="0"/>
-              <a:t>10/16/2013</a:t>
+              <a:t>10/18/2013</a:t>
             </a:fld>
             <a:endParaRPr lang="en-US"/>
           </a:p>
@@ -7621,14 +7621,14 @@
               <a:t>Extra Credit: Arguments are passed to the script via the </a:t>
             </a:r>
             <a:r>
-              <a:rPr lang="en-US" b="1" dirty="0" err="1" smtClean="0">
-                <a:latin typeface="Consolas" panose="020B0609020204030204" pitchFamily="49" charset="0"/>
-                <a:cs typeface="Consolas" panose="020B0609020204030204" pitchFamily="49" charset="0"/>
-              </a:rPr>
-              <a:t>process.args</a:t>
-            </a:r>
-            <a:r>
-              <a:rPr lang="en-US" dirty="0" smtClean="0"/>
+              <a:rPr lang="en-US" b="1" smtClean="0">
+                <a:latin typeface="Consolas" panose="020B0609020204030204" pitchFamily="49" charset="0"/>
+                <a:cs typeface="Consolas" panose="020B0609020204030204" pitchFamily="49" charset="0"/>
+              </a:rPr>
+              <a:t>process.argv</a:t>
+            </a:r>
+            <a:r>
+              <a:rPr lang="en-US" smtClean="0"/>
               <a:t> </a:t>
             </a:r>
             <a:r>

--- a/Intro to Node.pptx
+++ b/Intro to Node.pptx
@@ -268,7 +268,7 @@
           <a:p>
             <a:fld id="{A139ED91-282A-43B0-AA56-44DFD435C29D}" type="datetimeFigureOut">
               <a:rPr lang="en-US" smtClean="0"/>
-              <a:t>10/18/2013</a:t>
+              <a:t>10/19/2013</a:t>
             </a:fld>
             <a:endParaRPr lang="en-US"/>
           </a:p>
@@ -438,7 +438,7 @@
           <a:p>
             <a:fld id="{A139ED91-282A-43B0-AA56-44DFD435C29D}" type="datetimeFigureOut">
               <a:rPr lang="en-US" smtClean="0"/>
-              <a:t>10/18/2013</a:t>
+              <a:t>10/19/2013</a:t>
             </a:fld>
             <a:endParaRPr lang="en-US"/>
           </a:p>
@@ -618,7 +618,7 @@
           <a:p>
             <a:fld id="{A139ED91-282A-43B0-AA56-44DFD435C29D}" type="datetimeFigureOut">
               <a:rPr lang="en-US" smtClean="0"/>
-              <a:t>10/18/2013</a:t>
+              <a:t>10/19/2013</a:t>
             </a:fld>
             <a:endParaRPr lang="en-US"/>
           </a:p>
@@ -788,7 +788,7 @@
           <a:p>
             <a:fld id="{A139ED91-282A-43B0-AA56-44DFD435C29D}" type="datetimeFigureOut">
               <a:rPr lang="en-US" smtClean="0"/>
-              <a:t>10/18/2013</a:t>
+              <a:t>10/19/2013</a:t>
             </a:fld>
             <a:endParaRPr lang="en-US"/>
           </a:p>
@@ -1034,7 +1034,7 @@
           <a:p>
             <a:fld id="{A139ED91-282A-43B0-AA56-44DFD435C29D}" type="datetimeFigureOut">
               <a:rPr lang="en-US" smtClean="0"/>
-              <a:t>10/18/2013</a:t>
+              <a:t>10/19/2013</a:t>
             </a:fld>
             <a:endParaRPr lang="en-US"/>
           </a:p>
@@ -1266,7 +1266,7 @@
           <a:p>
             <a:fld id="{A139ED91-282A-43B0-AA56-44DFD435C29D}" type="datetimeFigureOut">
               <a:rPr lang="en-US" smtClean="0"/>
-              <a:t>10/18/2013</a:t>
+              <a:t>10/19/2013</a:t>
             </a:fld>
             <a:endParaRPr lang="en-US"/>
           </a:p>
@@ -1633,7 +1633,7 @@
           <a:p>
             <a:fld id="{A139ED91-282A-43B0-AA56-44DFD435C29D}" type="datetimeFigureOut">
               <a:rPr lang="en-US" smtClean="0"/>
-              <a:t>10/18/2013</a:t>
+              <a:t>10/19/2013</a:t>
             </a:fld>
             <a:endParaRPr lang="en-US"/>
           </a:p>
@@ -1751,7 +1751,7 @@
           <a:p>
             <a:fld id="{A139ED91-282A-43B0-AA56-44DFD435C29D}" type="datetimeFigureOut">
               <a:rPr lang="en-US" smtClean="0"/>
-              <a:t>10/18/2013</a:t>
+              <a:t>10/19/2013</a:t>
             </a:fld>
             <a:endParaRPr lang="en-US"/>
           </a:p>
@@ -1846,7 +1846,7 @@
           <a:p>
             <a:fld id="{A139ED91-282A-43B0-AA56-44DFD435C29D}" type="datetimeFigureOut">
               <a:rPr lang="en-US" smtClean="0"/>
-              <a:t>10/18/2013</a:t>
+              <a:t>10/19/2013</a:t>
             </a:fld>
             <a:endParaRPr lang="en-US"/>
           </a:p>
@@ -2123,7 +2123,7 @@
           <a:p>
             <a:fld id="{A139ED91-282A-43B0-AA56-44DFD435C29D}" type="datetimeFigureOut">
               <a:rPr lang="en-US" smtClean="0"/>
-              <a:t>10/18/2013</a:t>
+              <a:t>10/19/2013</a:t>
             </a:fld>
             <a:endParaRPr lang="en-US"/>
           </a:p>
@@ -2376,7 +2376,7 @@
           <a:p>
             <a:fld id="{A139ED91-282A-43B0-AA56-44DFD435C29D}" type="datetimeFigureOut">
               <a:rPr lang="en-US" smtClean="0"/>
-              <a:t>10/18/2013</a:t>
+              <a:t>10/19/2013</a:t>
             </a:fld>
             <a:endParaRPr lang="en-US"/>
           </a:p>
@@ -2589,7 +2589,7 @@
           <a:p>
             <a:fld id="{A139ED91-282A-43B0-AA56-44DFD435C29D}" type="datetimeFigureOut">
               <a:rPr lang="en-US" smtClean="0"/>
-              <a:t>10/18/2013</a:t>
+              <a:t>10/19/2013</a:t>
             </a:fld>
             <a:endParaRPr lang="en-US"/>
           </a:p>
@@ -3152,6 +3152,13 @@
   <p:clrMapOvr>
     <a:masterClrMapping/>
   </p:clrMapOvr>
+  <p:timing>
+    <p:tnLst>
+      <p:par>
+        <p:cTn id="1" dur="indefinite" restart="never" nodeType="tmRoot"/>
+      </p:par>
+    </p:tnLst>
+  </p:timing>
 </p:sld>
 </file>
 
@@ -3236,8 +3243,12 @@
               <a:buNone/>
             </a:pPr>
             <a:r>
+              <a:rPr lang="en-US" sz="2000" smtClean="0"/>
+              <a:t>One </a:t>
+            </a:r>
+            <a:r>
               <a:rPr lang="en-US" sz="2000" dirty="0" smtClean="0"/>
-              <a:t>On of the many uses for Node.js is building an HTTP server. Sometimes you only need a very simple server, </a:t>
+              <a:t>of the many uses for Node.js is building an HTTP server. Sometimes you only need a very simple server, </a:t>
             </a:r>
             <a:r>
               <a:rPr lang="en-US" sz="2000" dirty="0"/>
@@ -5304,6 +5315,13 @@
   <p:clrMapOvr>
     <a:masterClrMapping/>
   </p:clrMapOvr>
+  <p:timing>
+    <p:tnLst>
+      <p:par>
+        <p:cTn id="1" dur="indefinite" restart="never" nodeType="tmRoot"/>
+      </p:par>
+    </p:tnLst>
+  </p:timing>
 </p:sld>
 </file>
 
@@ -7621,19 +7639,27 @@
               <a:t>Extra Credit: Arguments are passed to the script via the </a:t>
             </a:r>
             <a:r>
-              <a:rPr lang="en-US" b="1" smtClean="0">
+              <a:rPr lang="en-US" b="1" dirty="0" err="1" smtClean="0">
                 <a:latin typeface="Consolas" panose="020B0609020204030204" pitchFamily="49" charset="0"/>
                 <a:cs typeface="Consolas" panose="020B0609020204030204" pitchFamily="49" charset="0"/>
               </a:rPr>
               <a:t>process.argv</a:t>
             </a:r>
             <a:r>
-              <a:rPr lang="en-US" smtClean="0"/>
+              <a:rPr lang="en-US" dirty="0" smtClean="0"/>
               <a:t> </a:t>
             </a:r>
             <a:r>
               <a:rPr lang="en-US" sz="2000" dirty="0" smtClean="0"/>
-              <a:t>array. Create an app that will repeat a messing with the arguments passed to it.</a:t>
+              <a:t>array. Create an app that will repeat a </a:t>
+            </a:r>
+            <a:r>
+              <a:rPr lang="en-US" sz="2000" dirty="0" smtClean="0"/>
+              <a:t>message with </a:t>
+            </a:r>
+            <a:r>
+              <a:rPr lang="en-US" sz="2000" dirty="0" smtClean="0"/>
+              <a:t>the arguments passed to it.</a:t>
             </a:r>
             <a:endParaRPr lang="en-US" sz="2000" dirty="0"/>
           </a:p>
